--- a/TVCHH/TVCHH 126 - Người Tôi Yêu Mến.pptx
+++ b/TVCHH/TVCHH 126 - Người Tôi Yêu Mến.pptx
@@ -113,6 +113,11 @@
       </a:defRPr>
     </a:lvl9pPr>
   </p:defaultTextStyle>
+  <p:extLst>
+    <p:ext uri="{EFAFB233-063F-42B5-8137-9DF3F51BA10A}">
+      <p15:sldGuideLst xmlns:p15="http://schemas.microsoft.com/office/powerpoint/2012/main"/>
+    </p:ext>
+  </p:extLst>
 </p:presentation>
 </file>
 
@@ -158,10 +163,9 @@
           </a:lstStyle>
           <a:p>
             <a:r>
-              <a:rPr lang="en-US" smtClean="0"/>
+              <a:rPr lang="en-US"/>
               <a:t>Click to edit Master title style</a:t>
             </a:r>
-            <a:endParaRPr lang="en-US"/>
           </a:p>
         </p:txBody>
       </p:sp>
@@ -223,10 +227,9 @@
           </a:lstStyle>
           <a:p>
             <a:r>
-              <a:rPr lang="en-US" smtClean="0"/>
+              <a:rPr lang="en-US"/>
               <a:t>Click to edit Master subtitle style</a:t>
             </a:r>
-            <a:endParaRPr lang="en-US"/>
           </a:p>
         </p:txBody>
       </p:sp>
@@ -254,7 +257,7 @@
                 </a:solidFill>
               </a:rPr>
               <a:pPr/>
-              <a:t>4/12/2013</a:t>
+              <a:t>8/31/19</a:t>
             </a:fld>
             <a:endParaRPr lang="en-US">
               <a:solidFill>
@@ -382,10 +385,9 @@
           </a:lstStyle>
           <a:p>
             <a:r>
-              <a:rPr lang="en-US" smtClean="0"/>
+              <a:rPr lang="en-US"/>
               <a:t>Click to edit Master title style</a:t>
             </a:r>
-            <a:endParaRPr lang="en-US"/>
           </a:p>
         </p:txBody>
       </p:sp>
@@ -447,10 +449,9 @@
           </a:lstStyle>
           <a:p>
             <a:r>
-              <a:rPr lang="en-US" smtClean="0"/>
+              <a:rPr lang="en-US"/>
               <a:t>Click to edit Master subtitle style</a:t>
             </a:r>
-            <a:endParaRPr lang="en-US"/>
           </a:p>
         </p:txBody>
       </p:sp>
@@ -478,7 +479,7 @@
                 </a:solidFill>
               </a:rPr>
               <a:pPr/>
-              <a:t>4/12/2013</a:t>
+              <a:t>8/31/19</a:t>
             </a:fld>
             <a:endParaRPr lang="en-US">
               <a:solidFill>
@@ -621,10 +622,9 @@
           <a:lstStyle/>
           <a:p>
             <a:r>
-              <a:rPr lang="en-US" smtClean="0"/>
+              <a:rPr lang="en-US"/>
               <a:t>Click to edit Master title style</a:t>
             </a:r>
-            <a:endParaRPr lang="en-US"/>
           </a:p>
         </p:txBody>
       </p:sp>
@@ -655,38 +655,37 @@
           <a:p>
             <a:pPr lvl="0"/>
             <a:r>
-              <a:rPr lang="en-US" smtClean="0"/>
+              <a:rPr lang="en-US"/>
               <a:t>Click to edit Master text styles</a:t>
             </a:r>
           </a:p>
           <a:p>
             <a:pPr lvl="1"/>
             <a:r>
-              <a:rPr lang="en-US" smtClean="0"/>
+              <a:rPr lang="en-US"/>
               <a:t>Second level</a:t>
             </a:r>
           </a:p>
           <a:p>
             <a:pPr lvl="2"/>
             <a:r>
-              <a:rPr lang="en-US" smtClean="0"/>
+              <a:rPr lang="en-US"/>
               <a:t>Third level</a:t>
             </a:r>
           </a:p>
           <a:p>
             <a:pPr lvl="3"/>
             <a:r>
-              <a:rPr lang="en-US" smtClean="0"/>
+              <a:rPr lang="en-US"/>
               <a:t>Fourth level</a:t>
             </a:r>
           </a:p>
           <a:p>
             <a:pPr lvl="4"/>
             <a:r>
-              <a:rPr lang="en-US" smtClean="0"/>
+              <a:rPr lang="en-US"/>
               <a:t>Fifth level</a:t>
             </a:r>
-            <a:endParaRPr lang="en-US"/>
           </a:p>
         </p:txBody>
       </p:sp>
@@ -732,7 +731,7 @@
                 </a:solidFill>
               </a:rPr>
               <a:pPr/>
-              <a:t>4/12/2013</a:t>
+              <a:t>8/31/19</a:t>
             </a:fld>
             <a:endParaRPr lang="en-US">
               <a:solidFill>
@@ -1192,10 +1191,9 @@
           <a:lstStyle/>
           <a:p>
             <a:r>
-              <a:rPr lang="en-US" smtClean="0"/>
+              <a:rPr lang="en-US"/>
               <a:t>Click to edit Master title style</a:t>
             </a:r>
-            <a:endParaRPr lang="en-US"/>
           </a:p>
         </p:txBody>
       </p:sp>
@@ -1226,38 +1224,37 @@
           <a:p>
             <a:pPr lvl="0"/>
             <a:r>
-              <a:rPr lang="en-US" smtClean="0"/>
+              <a:rPr lang="en-US"/>
               <a:t>Click to edit Master text styles</a:t>
             </a:r>
           </a:p>
           <a:p>
             <a:pPr lvl="1"/>
             <a:r>
-              <a:rPr lang="en-US" smtClean="0"/>
+              <a:rPr lang="en-US"/>
               <a:t>Second level</a:t>
             </a:r>
           </a:p>
           <a:p>
             <a:pPr lvl="2"/>
             <a:r>
-              <a:rPr lang="en-US" smtClean="0"/>
+              <a:rPr lang="en-US"/>
               <a:t>Third level</a:t>
             </a:r>
           </a:p>
           <a:p>
             <a:pPr lvl="3"/>
             <a:r>
-              <a:rPr lang="en-US" smtClean="0"/>
+              <a:rPr lang="en-US"/>
               <a:t>Fourth level</a:t>
             </a:r>
           </a:p>
           <a:p>
             <a:pPr lvl="4"/>
             <a:r>
-              <a:rPr lang="en-US" smtClean="0"/>
+              <a:rPr lang="en-US"/>
               <a:t>Fifth level</a:t>
             </a:r>
-            <a:endParaRPr lang="en-US"/>
           </a:p>
         </p:txBody>
       </p:sp>
@@ -1303,7 +1300,7 @@
                 </a:solidFill>
               </a:rPr>
               <a:pPr/>
-              <a:t>4/12/2013</a:t>
+              <a:t>8/31/19</a:t>
             </a:fld>
             <a:endParaRPr lang="en-US">
               <a:solidFill>
@@ -1771,7 +1768,7 @@
         </p:nvSpPr>
         <p:spPr>
           <a:xfrm>
-            <a:off x="292608" y="2584880"/>
+            <a:off x="1012698" y="2596310"/>
             <a:ext cx="6498336" cy="2308324"/>
           </a:xfrm>
           <a:prstGeom prst="rect">
@@ -1786,7 +1783,7 @@
           <a:p>
             <a:pPr algn="ctr"/>
             <a:r>
-              <a:rPr lang="en-US" sz="7200" b="1" smtClean="0">
+              <a:rPr lang="en-US" sz="7200" b="1" dirty="0">
                 <a:ln w="11430"/>
                 <a:solidFill>
                   <a:srgbClr val="FFFF00"/>
@@ -1801,7 +1798,7 @@
                     </a:srgbClr>
                   </a:outerShdw>
                 </a:effectLst>
-                <a:latin typeface="HP-Bank" panose="020B0603050302020204" pitchFamily="34" charset="0"/>
+                <a:latin typeface="VNI-Times" pitchFamily="2" charset="0"/>
               </a:rPr>
               <a:t>NGÖÔØI TOÂI</a:t>
             </a:r>
@@ -1809,7 +1806,7 @@
           <a:p>
             <a:pPr algn="ctr"/>
             <a:r>
-              <a:rPr lang="en-US" sz="7200" b="1" smtClean="0">
+              <a:rPr lang="en-US" sz="7200" b="1" dirty="0">
                 <a:ln w="11430"/>
                 <a:solidFill>
                   <a:srgbClr val="FFFF00"/>
@@ -1824,7 +1821,7 @@
                     </a:srgbClr>
                   </a:outerShdw>
                 </a:effectLst>
-                <a:latin typeface="HP-Bank" panose="020B0603050302020204" pitchFamily="34" charset="0"/>
+                <a:latin typeface="VNI-Times" pitchFamily="2" charset="0"/>
               </a:rPr>
               <a:t>YEÂU MEÁN</a:t>
             </a:r>
@@ -1841,25 +1838,18 @@
   <p:clrMapOvr>
     <a:masterClrMapping/>
   </p:clrMapOvr>
-  <mc:AlternateContent xmlns:mc="http://schemas.openxmlformats.org/markup-compatibility/2006">
-    <mc:Choice xmlns:p14="http://schemas.microsoft.com/office/powerpoint/2010/main" Requires="p14">
+  <mc:AlternateContent xmlns:mc="http://schemas.openxmlformats.org/markup-compatibility/2006" xmlns:p14="http://schemas.microsoft.com/office/powerpoint/2010/main">
+    <mc:Choice Requires="p14">
       <p:transition spd="slow" p14:dur="800">
         <p:circle/>
       </p:transition>
     </mc:Choice>
-    <mc:Fallback>
+    <mc:Fallback xmlns="">
       <p:transition spd="slow">
         <p:circle/>
       </p:transition>
     </mc:Fallback>
   </mc:AlternateContent>
-  <p:timing>
-    <p:tnLst>
-      <p:par>
-        <p:cTn id="1" dur="indefinite" restart="never" nodeType="tmRoot"/>
-      </p:par>
-    </p:tnLst>
-  </p:timing>
 </p:sld>
 </file>
 
@@ -1904,7 +1894,7 @@
           <a:p>
             <a:pPr algn="ctr"/>
             <a:r>
-              <a:rPr lang="en-US" sz="4000" b="1" smtClean="0">
+              <a:rPr lang="en-US" sz="4000" b="1" dirty="0">
                 <a:ln w="11430"/>
                 <a:solidFill>
                   <a:srgbClr val="FFFF00"/>
@@ -1919,27 +1909,10 @@
                     </a:srgbClr>
                   </a:outerShdw>
                 </a:effectLst>
-                <a:latin typeface="HP-Bank" panose="020B0603050302020204" pitchFamily="34" charset="0"/>
+                <a:latin typeface="VNI-Times" pitchFamily="2" charset="0"/>
               </a:rPr>
               <a:t>NGÖÔØI TOÂI YEÂU MEÁN</a:t>
             </a:r>
-            <a:endParaRPr lang="en-US" sz="4000" b="1" smtClean="0">
-              <a:ln w="11430"/>
-              <a:solidFill>
-                <a:srgbClr val="FFFF00"/>
-              </a:solidFill>
-              <a:effectLst>
-                <a:glow rad="127000">
-                  <a:prstClr val="black"/>
-                </a:glow>
-                <a:outerShdw blurRad="50800" dist="39000" dir="5460000" algn="tl">
-                  <a:srgbClr val="000000">
-                    <a:alpha val="38000"/>
-                  </a:srgbClr>
-                </a:outerShdw>
-              </a:effectLst>
-              <a:latin typeface="HP-Bank" panose="020B0603050302020204" pitchFamily="34" charset="0"/>
-            </a:endParaRPr>
           </a:p>
         </p:txBody>
       </p:sp>
@@ -1999,133 +1972,8 @@
                 <a:ea typeface="Times New Roman" pitchFamily="18" charset="0"/>
                 <a:cs typeface="Times New Roman" pitchFamily="18" charset="0"/>
               </a:rPr>
-              <a:t>Ngöôøi toâi </a:t>
-            </a:r>
-            <a:r>
-              <a:rPr lang="en-US" sz="6600" b="1">
-                <a:solidFill>
-                  <a:prstClr val="black"/>
-                </a:solidFill>
-                <a:effectLst>
-                  <a:glow rad="127000">
-                    <a:prstClr val="white"/>
-                  </a:glow>
-                </a:effectLst>
-                <a:latin typeface="VNI-Aptima" pitchFamily="2" charset="0"/>
-                <a:ea typeface="Times New Roman" pitchFamily="18" charset="0"/>
-                <a:cs typeface="Times New Roman" pitchFamily="18" charset="0"/>
-              </a:rPr>
-              <a:t>yeâu </a:t>
-            </a:r>
-            <a:r>
-              <a:rPr lang="en-US" sz="6600" b="1" smtClean="0">
-                <a:solidFill>
-                  <a:prstClr val="black"/>
-                </a:solidFill>
-                <a:effectLst>
-                  <a:glow rad="127000">
-                    <a:prstClr val="white"/>
-                  </a:glow>
-                </a:effectLst>
-                <a:latin typeface="VNI-Aptima" pitchFamily="2" charset="0"/>
-                <a:ea typeface="Times New Roman" pitchFamily="18" charset="0"/>
-                <a:cs typeface="Times New Roman" pitchFamily="18" charset="0"/>
-              </a:rPr>
-              <a:t>meán Jeâsus, </a:t>
-            </a:r>
-            <a:r>
-              <a:rPr lang="en-US" sz="6600" b="1">
-                <a:solidFill>
-                  <a:prstClr val="black"/>
-                </a:solidFill>
-                <a:effectLst>
-                  <a:glow rad="127000">
-                    <a:prstClr val="white"/>
-                  </a:glow>
-                </a:effectLst>
-                <a:latin typeface="VNI-Aptima" pitchFamily="2" charset="0"/>
-                <a:ea typeface="Times New Roman" pitchFamily="18" charset="0"/>
-                <a:cs typeface="Times New Roman" pitchFamily="18" charset="0"/>
-              </a:rPr>
-              <a:t>Cöùu </a:t>
-            </a:r>
-            <a:r>
-              <a:rPr lang="en-US" sz="6600" b="1">
-                <a:solidFill>
-                  <a:prstClr val="black"/>
-                </a:solidFill>
-                <a:effectLst>
-                  <a:glow rad="127000">
-                    <a:prstClr val="white"/>
-                  </a:glow>
-                </a:effectLst>
-                <a:latin typeface="VNI-Aptima" pitchFamily="2" charset="0"/>
-                <a:ea typeface="Times New Roman" pitchFamily="18" charset="0"/>
-                <a:cs typeface="Times New Roman" pitchFamily="18" charset="0"/>
-              </a:rPr>
-              <a:t>Chuùa </a:t>
-            </a:r>
-            <a:r>
-              <a:rPr lang="en-US" sz="6600" b="1" smtClean="0">
-                <a:solidFill>
-                  <a:prstClr val="black"/>
-                </a:solidFill>
-                <a:effectLst>
-                  <a:glow rad="127000">
-                    <a:prstClr val="white"/>
-                  </a:glow>
-                </a:effectLst>
-                <a:latin typeface="VNI-Aptima" pitchFamily="2" charset="0"/>
-                <a:ea typeface="Times New Roman" pitchFamily="18" charset="0"/>
-                <a:cs typeface="Times New Roman" pitchFamily="18" charset="0"/>
-              </a:rPr>
-              <a:t>toâi, </a:t>
-            </a:r>
-            <a:r>
-              <a:rPr lang="en-US" sz="6600" b="1">
-                <a:solidFill>
-                  <a:prstClr val="black"/>
-                </a:solidFill>
-                <a:effectLst>
-                  <a:glow rad="127000">
-                    <a:prstClr val="white"/>
-                  </a:glow>
-                </a:effectLst>
-                <a:latin typeface="VNI-Aptima" pitchFamily="2" charset="0"/>
-                <a:ea typeface="Times New Roman" pitchFamily="18" charset="0"/>
-                <a:cs typeface="Times New Roman" pitchFamily="18" charset="0"/>
-              </a:rPr>
-              <a:t>dòu daøng nhaân aùi hy sinh cheát thay muoân ngöôøi</a:t>
-            </a:r>
-            <a:r>
-              <a:rPr lang="en-US" sz="6600" b="1">
-                <a:solidFill>
-                  <a:prstClr val="black"/>
-                </a:solidFill>
-                <a:effectLst>
-                  <a:glow rad="127000">
-                    <a:prstClr val="white"/>
-                  </a:glow>
-                </a:effectLst>
-                <a:latin typeface="VNI-Aptima" pitchFamily="2" charset="0"/>
-                <a:ea typeface="Times New Roman" pitchFamily="18" charset="0"/>
-                <a:cs typeface="Times New Roman" pitchFamily="18" charset="0"/>
-              </a:rPr>
-              <a:t>. </a:t>
-            </a:r>
-            <a:endParaRPr lang="en-US" sz="6600" b="1">
-              <a:solidFill>
-                <a:prstClr val="black"/>
-              </a:solidFill>
-              <a:effectLst>
-                <a:glow rad="127000">
-                  <a:prstClr val="white"/>
-                </a:glow>
-              </a:effectLst>
-              <a:latin typeface="VNI-Aptima" pitchFamily="2" charset="0"/>
-              <a:ea typeface="Times New Roman" pitchFamily="18" charset="0"/>
-              <a:cs typeface="Times New Roman" pitchFamily="18" charset="0"/>
-            </a:endParaRPr>
+              <a:t>Ngöôøi toâi yeâu meán Jeâsus, Cöùu Chuùa toâi, dòu daøng nhaân aùi hy sinh cheát thay muoân ngöôøi. </a:t>
+            </a:r>
           </a:p>
         </p:txBody>
       </p:sp>
@@ -2142,13 +1990,6 @@
   <p:transition spd="slow">
     <p:randomBar dir="vert"/>
   </p:transition>
-  <p:timing>
-    <p:tnLst>
-      <p:par>
-        <p:cTn id="1" dur="indefinite" restart="never" nodeType="tmRoot"/>
-      </p:par>
-    </p:tnLst>
-  </p:timing>
 </p:sld>
 </file>
 
@@ -2225,9 +2066,9 @@
                 <a:ea typeface="Times New Roman" pitchFamily="18" charset="0"/>
                 <a:cs typeface="Times New Roman" pitchFamily="18" charset="0"/>
               </a:rPr>
-              <a:t>Doøng huyeát </a:t>
-            </a:r>
-            <a:r>
+              <a:t>Doøng huyeát Chuùa laùng lai xoùa tan moïi toäi oâ </a:t>
+            </a:r>
+            <a:br>
               <a:rPr lang="en-US" sz="6600" b="1">
                 <a:solidFill>
                   <a:prstClr val="black"/>
@@ -2241,10 +2082,9 @@
                 <a:ea typeface="Times New Roman" pitchFamily="18" charset="0"/>
                 <a:cs typeface="Times New Roman" pitchFamily="18" charset="0"/>
               </a:rPr>
-              <a:t>Chuùa </a:t>
-            </a:r>
-            <a:r>
-              <a:rPr lang="en-US" sz="6600" b="1" smtClean="0">
+            </a:br>
+            <a:r>
+              <a:rPr lang="en-US" sz="6600" b="1">
                 <a:solidFill>
                   <a:prstClr val="black"/>
                 </a:solidFill>
@@ -2257,116 +2097,8 @@
                 <a:ea typeface="Times New Roman" pitchFamily="18" charset="0"/>
                 <a:cs typeface="Times New Roman" pitchFamily="18" charset="0"/>
               </a:rPr>
-              <a:t>laùng </a:t>
-            </a:r>
-            <a:r>
-              <a:rPr lang="en-US" sz="6600" b="1">
-                <a:solidFill>
-                  <a:prstClr val="black"/>
-                </a:solidFill>
-                <a:effectLst>
-                  <a:glow rad="127000">
-                    <a:prstClr val="white"/>
-                  </a:glow>
-                </a:effectLst>
-                <a:latin typeface="VNI-Aptima" pitchFamily="2" charset="0"/>
-                <a:ea typeface="Times New Roman" pitchFamily="18" charset="0"/>
-                <a:cs typeface="Times New Roman" pitchFamily="18" charset="0"/>
-              </a:rPr>
-              <a:t>lai xoùa tan moïi toäi </a:t>
-            </a:r>
-            <a:r>
-              <a:rPr lang="en-US" sz="6600" b="1">
-                <a:solidFill>
-                  <a:prstClr val="black"/>
-                </a:solidFill>
-                <a:effectLst>
-                  <a:glow rad="127000">
-                    <a:prstClr val="white"/>
-                  </a:glow>
-                </a:effectLst>
-                <a:latin typeface="VNI-Aptima" pitchFamily="2" charset="0"/>
-                <a:ea typeface="Times New Roman" pitchFamily="18" charset="0"/>
-                <a:cs typeface="Times New Roman" pitchFamily="18" charset="0"/>
-              </a:rPr>
-              <a:t>oâ </a:t>
-            </a:r>
-            <a:r>
-              <a:rPr lang="en-US" sz="6600" b="1" smtClean="0">
-                <a:solidFill>
-                  <a:prstClr val="black"/>
-                </a:solidFill>
-                <a:effectLst>
-                  <a:glow rad="127000">
-                    <a:prstClr val="white"/>
-                  </a:glow>
-                </a:effectLst>
-                <a:latin typeface="VNI-Aptima" pitchFamily="2" charset="0"/>
-                <a:ea typeface="Times New Roman" pitchFamily="18" charset="0"/>
-                <a:cs typeface="Times New Roman" pitchFamily="18" charset="0"/>
-              </a:rPr>
-              <a:t/>
-            </a:r>
-            <a:br>
-              <a:rPr lang="en-US" sz="6600" b="1" smtClean="0">
-                <a:solidFill>
-                  <a:prstClr val="black"/>
-                </a:solidFill>
-                <a:effectLst>
-                  <a:glow rad="127000">
-                    <a:prstClr val="white"/>
-                  </a:glow>
-                </a:effectLst>
-                <a:latin typeface="VNI-Aptima" pitchFamily="2" charset="0"/>
-                <a:ea typeface="Times New Roman" pitchFamily="18" charset="0"/>
-                <a:cs typeface="Times New Roman" pitchFamily="18" charset="0"/>
-              </a:rPr>
-            </a:br>
-            <a:r>
-              <a:rPr lang="en-US" sz="6600" b="1" smtClean="0">
-                <a:solidFill>
-                  <a:prstClr val="black"/>
-                </a:solidFill>
-                <a:effectLst>
-                  <a:glow rad="127000">
-                    <a:prstClr val="white"/>
-                  </a:glow>
-                </a:effectLst>
-                <a:latin typeface="VNI-Aptima" pitchFamily="2" charset="0"/>
-                <a:ea typeface="Times New Roman" pitchFamily="18" charset="0"/>
-                <a:cs typeface="Times New Roman" pitchFamily="18" charset="0"/>
-              </a:rPr>
-              <a:t>theá nhaân, nguyeän yeâu </a:t>
-            </a:r>
-            <a:r>
-              <a:rPr lang="en-US" sz="6600" b="1">
-                <a:solidFill>
-                  <a:prstClr val="black"/>
-                </a:solidFill>
-                <a:effectLst>
-                  <a:glow rad="127000">
-                    <a:prstClr val="white"/>
-                  </a:glow>
-                </a:effectLst>
-                <a:latin typeface="VNI-Aptima" pitchFamily="2" charset="0"/>
-                <a:ea typeface="Times New Roman" pitchFamily="18" charset="0"/>
-                <a:cs typeface="Times New Roman" pitchFamily="18" charset="0"/>
-              </a:rPr>
-              <a:t>Chuùa maõi troïn ñôøi.</a:t>
-            </a:r>
-            <a:endParaRPr lang="en-US" sz="6600" b="1">
-              <a:solidFill>
-                <a:prstClr val="black"/>
-              </a:solidFill>
-              <a:effectLst>
-                <a:glow rad="127000">
-                  <a:prstClr val="white"/>
-                </a:glow>
-              </a:effectLst>
-              <a:latin typeface="VNI-Aptima" pitchFamily="2" charset="0"/>
-              <a:ea typeface="Times New Roman" pitchFamily="18" charset="0"/>
-              <a:cs typeface="Times New Roman" pitchFamily="18" charset="0"/>
-            </a:endParaRPr>
+              <a:t>theá nhaân, nguyeän yeâu Chuùa maõi troïn ñôøi.</a:t>
+            </a:r>
           </a:p>
         </p:txBody>
       </p:sp>
@@ -2394,7 +2126,7 @@
           <a:p>
             <a:pPr algn="ctr"/>
             <a:r>
-              <a:rPr lang="en-US" sz="4000" b="1" smtClean="0">
+              <a:rPr lang="en-US" sz="4000" b="1" dirty="0">
                 <a:ln w="11430"/>
                 <a:solidFill>
                   <a:srgbClr val="FFFF00"/>
@@ -2409,27 +2141,10 @@
                     </a:srgbClr>
                   </a:outerShdw>
                 </a:effectLst>
-                <a:latin typeface="HP-Bank" panose="020B0603050302020204" pitchFamily="34" charset="0"/>
+                <a:latin typeface="VNI-Times" pitchFamily="2" charset="0"/>
               </a:rPr>
               <a:t>NGÖÔØI TOÂI YEÂU MEÁN</a:t>
             </a:r>
-            <a:endParaRPr lang="en-US" sz="4000" b="1" smtClean="0">
-              <a:ln w="11430"/>
-              <a:solidFill>
-                <a:srgbClr val="FFFF00"/>
-              </a:solidFill>
-              <a:effectLst>
-                <a:glow rad="127000">
-                  <a:prstClr val="black"/>
-                </a:glow>
-                <a:outerShdw blurRad="50800" dist="39000" dir="5460000" algn="tl">
-                  <a:srgbClr val="000000">
-                    <a:alpha val="38000"/>
-                  </a:srgbClr>
-                </a:outerShdw>
-              </a:effectLst>
-              <a:latin typeface="HP-Bank" panose="020B0603050302020204" pitchFamily="34" charset="0"/>
-            </a:endParaRPr>
           </a:p>
         </p:txBody>
       </p:sp>
@@ -2487,7 +2202,7 @@
           <a:p>
             <a:pPr algn="ctr"/>
             <a:r>
-              <a:rPr lang="en-US" sz="4000" b="1" smtClean="0">
+              <a:rPr lang="en-US" sz="4000" b="1" dirty="0">
                 <a:ln w="11430"/>
                 <a:solidFill>
                   <a:srgbClr val="FFFF00"/>
@@ -2502,27 +2217,10 @@
                     </a:srgbClr>
                   </a:outerShdw>
                 </a:effectLst>
-                <a:latin typeface="HP-Bank" panose="020B0603050302020204" pitchFamily="34" charset="0"/>
+                <a:latin typeface="VNI-Times" pitchFamily="2" charset="0"/>
               </a:rPr>
               <a:t>NGÖÔØI TOÂI YEÂU MEÁN</a:t>
             </a:r>
-            <a:endParaRPr lang="en-US" sz="4000" b="1" smtClean="0">
-              <a:ln w="11430"/>
-              <a:solidFill>
-                <a:srgbClr val="FFFF00"/>
-              </a:solidFill>
-              <a:effectLst>
-                <a:glow rad="127000">
-                  <a:prstClr val="black"/>
-                </a:glow>
-                <a:outerShdw blurRad="50800" dist="39000" dir="5460000" algn="tl">
-                  <a:srgbClr val="000000">
-                    <a:alpha val="38000"/>
-                  </a:srgbClr>
-                </a:outerShdw>
-              </a:effectLst>
-              <a:latin typeface="HP-Bank" panose="020B0603050302020204" pitchFamily="34" charset="0"/>
-            </a:endParaRPr>
           </a:p>
         </p:txBody>
       </p:sp>
@@ -2582,133 +2280,8 @@
                 <a:ea typeface="Times New Roman" pitchFamily="18" charset="0"/>
                 <a:cs typeface="Times New Roman" pitchFamily="18" charset="0"/>
               </a:rPr>
-              <a:t>Ngöôøi toâi </a:t>
-            </a:r>
-            <a:r>
-              <a:rPr lang="en-US" sz="6600" b="1">
-                <a:solidFill>
-                  <a:prstClr val="black"/>
-                </a:solidFill>
-                <a:effectLst>
-                  <a:glow rad="127000">
-                    <a:prstClr val="white"/>
-                  </a:glow>
-                </a:effectLst>
-                <a:latin typeface="VNI-Aptima" pitchFamily="2" charset="0"/>
-                <a:ea typeface="Times New Roman" pitchFamily="18" charset="0"/>
-                <a:cs typeface="Times New Roman" pitchFamily="18" charset="0"/>
-              </a:rPr>
-              <a:t>yeâu </a:t>
-            </a:r>
-            <a:r>
-              <a:rPr lang="en-US" sz="6600" b="1" smtClean="0">
-                <a:solidFill>
-                  <a:prstClr val="black"/>
-                </a:solidFill>
-                <a:effectLst>
-                  <a:glow rad="127000">
-                    <a:prstClr val="white"/>
-                  </a:glow>
-                </a:effectLst>
-                <a:latin typeface="VNI-Aptima" pitchFamily="2" charset="0"/>
-                <a:ea typeface="Times New Roman" pitchFamily="18" charset="0"/>
-                <a:cs typeface="Times New Roman" pitchFamily="18" charset="0"/>
-              </a:rPr>
-              <a:t>meán Jeâsus, </a:t>
-            </a:r>
-            <a:r>
-              <a:rPr lang="en-US" sz="6600" b="1">
-                <a:solidFill>
-                  <a:prstClr val="black"/>
-                </a:solidFill>
-                <a:effectLst>
-                  <a:glow rad="127000">
-                    <a:prstClr val="white"/>
-                  </a:glow>
-                </a:effectLst>
-                <a:latin typeface="VNI-Aptima" pitchFamily="2" charset="0"/>
-                <a:ea typeface="Times New Roman" pitchFamily="18" charset="0"/>
-                <a:cs typeface="Times New Roman" pitchFamily="18" charset="0"/>
-              </a:rPr>
-              <a:t>Cöùu </a:t>
-            </a:r>
-            <a:r>
-              <a:rPr lang="en-US" sz="6600" b="1">
-                <a:solidFill>
-                  <a:prstClr val="black"/>
-                </a:solidFill>
-                <a:effectLst>
-                  <a:glow rad="127000">
-                    <a:prstClr val="white"/>
-                  </a:glow>
-                </a:effectLst>
-                <a:latin typeface="VNI-Aptima" pitchFamily="2" charset="0"/>
-                <a:ea typeface="Times New Roman" pitchFamily="18" charset="0"/>
-                <a:cs typeface="Times New Roman" pitchFamily="18" charset="0"/>
-              </a:rPr>
-              <a:t>Chuùa </a:t>
-            </a:r>
-            <a:r>
-              <a:rPr lang="en-US" sz="6600" b="1" smtClean="0">
-                <a:solidFill>
-                  <a:prstClr val="black"/>
-                </a:solidFill>
-                <a:effectLst>
-                  <a:glow rad="127000">
-                    <a:prstClr val="white"/>
-                  </a:glow>
-                </a:effectLst>
-                <a:latin typeface="VNI-Aptima" pitchFamily="2" charset="0"/>
-                <a:ea typeface="Times New Roman" pitchFamily="18" charset="0"/>
-                <a:cs typeface="Times New Roman" pitchFamily="18" charset="0"/>
-              </a:rPr>
-              <a:t>toâi, </a:t>
-            </a:r>
-            <a:r>
-              <a:rPr lang="en-US" sz="6600" b="1">
-                <a:solidFill>
-                  <a:prstClr val="black"/>
-                </a:solidFill>
-                <a:effectLst>
-                  <a:glow rad="127000">
-                    <a:prstClr val="white"/>
-                  </a:glow>
-                </a:effectLst>
-                <a:latin typeface="VNI-Aptima" pitchFamily="2" charset="0"/>
-                <a:ea typeface="Times New Roman" pitchFamily="18" charset="0"/>
-                <a:cs typeface="Times New Roman" pitchFamily="18" charset="0"/>
-              </a:rPr>
-              <a:t>dòu daøng nhaân aùi hy sinh cheát thay muoân ngöôøi</a:t>
-            </a:r>
-            <a:r>
-              <a:rPr lang="en-US" sz="6600" b="1">
-                <a:solidFill>
-                  <a:prstClr val="black"/>
-                </a:solidFill>
-                <a:effectLst>
-                  <a:glow rad="127000">
-                    <a:prstClr val="white"/>
-                  </a:glow>
-                </a:effectLst>
-                <a:latin typeface="VNI-Aptima" pitchFamily="2" charset="0"/>
-                <a:ea typeface="Times New Roman" pitchFamily="18" charset="0"/>
-                <a:cs typeface="Times New Roman" pitchFamily="18" charset="0"/>
-              </a:rPr>
-              <a:t>. </a:t>
-            </a:r>
-            <a:endParaRPr lang="en-US" sz="6600" b="1">
-              <a:solidFill>
-                <a:prstClr val="black"/>
-              </a:solidFill>
-              <a:effectLst>
-                <a:glow rad="127000">
-                  <a:prstClr val="white"/>
-                </a:glow>
-              </a:effectLst>
-              <a:latin typeface="VNI-Aptima" pitchFamily="2" charset="0"/>
-              <a:ea typeface="Times New Roman" pitchFamily="18" charset="0"/>
-              <a:cs typeface="Times New Roman" pitchFamily="18" charset="0"/>
-            </a:endParaRPr>
+              <a:t>Ngöôøi toâi yeâu meán Jeâsus, Cöùu Chuùa toâi, dòu daøng nhaân aùi hy sinh cheát thay muoân ngöôøi. </a:t>
+            </a:r>
           </a:p>
         </p:txBody>
       </p:sp>
@@ -2722,21 +2295,6 @@
   <p:clrMapOvr>
     <a:masterClrMapping/>
   </p:clrMapOvr>
-  <mc:AlternateContent xmlns:mc="http://schemas.openxmlformats.org/markup-compatibility/2006">
-    <mc:Choice xmlns:p14="http://schemas.microsoft.com/office/powerpoint/2010/main" Requires="p14">
-      <p:transition p14:dur="0"/>
-    </mc:Choice>
-    <mc:Fallback>
-      <p:transition/>
-    </mc:Fallback>
-  </mc:AlternateContent>
-  <p:timing>
-    <p:tnLst>
-      <p:par>
-        <p:cTn id="1" dur="indefinite" restart="never" nodeType="tmRoot"/>
-      </p:par>
-    </p:tnLst>
-  </p:timing>
 </p:sld>
 </file>
 
@@ -2813,9 +2371,9 @@
                 <a:ea typeface="Times New Roman" pitchFamily="18" charset="0"/>
                 <a:cs typeface="Times New Roman" pitchFamily="18" charset="0"/>
               </a:rPr>
-              <a:t>Doøng huyeát </a:t>
-            </a:r>
-            <a:r>
+              <a:t>Doøng huyeát Chuùa laùng lai xoùa tan moïi toäi oâ </a:t>
+            </a:r>
+            <a:br>
               <a:rPr lang="en-US" sz="6600" b="1">
                 <a:solidFill>
                   <a:prstClr val="black"/>
@@ -2829,10 +2387,9 @@
                 <a:ea typeface="Times New Roman" pitchFamily="18" charset="0"/>
                 <a:cs typeface="Times New Roman" pitchFamily="18" charset="0"/>
               </a:rPr>
-              <a:t>Chuùa </a:t>
-            </a:r>
-            <a:r>
-              <a:rPr lang="en-US" sz="6600" b="1" smtClean="0">
+            </a:br>
+            <a:r>
+              <a:rPr lang="en-US" sz="6600" b="1">
                 <a:solidFill>
                   <a:prstClr val="black"/>
                 </a:solidFill>
@@ -2845,116 +2402,8 @@
                 <a:ea typeface="Times New Roman" pitchFamily="18" charset="0"/>
                 <a:cs typeface="Times New Roman" pitchFamily="18" charset="0"/>
               </a:rPr>
-              <a:t>laùng </a:t>
-            </a:r>
-            <a:r>
-              <a:rPr lang="en-US" sz="6600" b="1">
-                <a:solidFill>
-                  <a:prstClr val="black"/>
-                </a:solidFill>
-                <a:effectLst>
-                  <a:glow rad="127000">
-                    <a:prstClr val="white"/>
-                  </a:glow>
-                </a:effectLst>
-                <a:latin typeface="VNI-Aptima" pitchFamily="2" charset="0"/>
-                <a:ea typeface="Times New Roman" pitchFamily="18" charset="0"/>
-                <a:cs typeface="Times New Roman" pitchFamily="18" charset="0"/>
-              </a:rPr>
-              <a:t>lai xoùa tan moïi toäi </a:t>
-            </a:r>
-            <a:r>
-              <a:rPr lang="en-US" sz="6600" b="1">
-                <a:solidFill>
-                  <a:prstClr val="black"/>
-                </a:solidFill>
-                <a:effectLst>
-                  <a:glow rad="127000">
-                    <a:prstClr val="white"/>
-                  </a:glow>
-                </a:effectLst>
-                <a:latin typeface="VNI-Aptima" pitchFamily="2" charset="0"/>
-                <a:ea typeface="Times New Roman" pitchFamily="18" charset="0"/>
-                <a:cs typeface="Times New Roman" pitchFamily="18" charset="0"/>
-              </a:rPr>
-              <a:t>oâ </a:t>
-            </a:r>
-            <a:r>
-              <a:rPr lang="en-US" sz="6600" b="1" smtClean="0">
-                <a:solidFill>
-                  <a:prstClr val="black"/>
-                </a:solidFill>
-                <a:effectLst>
-                  <a:glow rad="127000">
-                    <a:prstClr val="white"/>
-                  </a:glow>
-                </a:effectLst>
-                <a:latin typeface="VNI-Aptima" pitchFamily="2" charset="0"/>
-                <a:ea typeface="Times New Roman" pitchFamily="18" charset="0"/>
-                <a:cs typeface="Times New Roman" pitchFamily="18" charset="0"/>
-              </a:rPr>
-              <a:t/>
-            </a:r>
-            <a:br>
-              <a:rPr lang="en-US" sz="6600" b="1" smtClean="0">
-                <a:solidFill>
-                  <a:prstClr val="black"/>
-                </a:solidFill>
-                <a:effectLst>
-                  <a:glow rad="127000">
-                    <a:prstClr val="white"/>
-                  </a:glow>
-                </a:effectLst>
-                <a:latin typeface="VNI-Aptima" pitchFamily="2" charset="0"/>
-                <a:ea typeface="Times New Roman" pitchFamily="18" charset="0"/>
-                <a:cs typeface="Times New Roman" pitchFamily="18" charset="0"/>
-              </a:rPr>
-            </a:br>
-            <a:r>
-              <a:rPr lang="en-US" sz="6600" b="1" smtClean="0">
-                <a:solidFill>
-                  <a:prstClr val="black"/>
-                </a:solidFill>
-                <a:effectLst>
-                  <a:glow rad="127000">
-                    <a:prstClr val="white"/>
-                  </a:glow>
-                </a:effectLst>
-                <a:latin typeface="VNI-Aptima" pitchFamily="2" charset="0"/>
-                <a:ea typeface="Times New Roman" pitchFamily="18" charset="0"/>
-                <a:cs typeface="Times New Roman" pitchFamily="18" charset="0"/>
-              </a:rPr>
-              <a:t>theá nhaân, nguyeän yeâu </a:t>
-            </a:r>
-            <a:r>
-              <a:rPr lang="en-US" sz="6600" b="1">
-                <a:solidFill>
-                  <a:prstClr val="black"/>
-                </a:solidFill>
-                <a:effectLst>
-                  <a:glow rad="127000">
-                    <a:prstClr val="white"/>
-                  </a:glow>
-                </a:effectLst>
-                <a:latin typeface="VNI-Aptima" pitchFamily="2" charset="0"/>
-                <a:ea typeface="Times New Roman" pitchFamily="18" charset="0"/>
-                <a:cs typeface="Times New Roman" pitchFamily="18" charset="0"/>
-              </a:rPr>
-              <a:t>Chuùa maõi troïn ñôøi.</a:t>
-            </a:r>
-            <a:endParaRPr lang="en-US" sz="6600" b="1">
-              <a:solidFill>
-                <a:prstClr val="black"/>
-              </a:solidFill>
-              <a:effectLst>
-                <a:glow rad="127000">
-                  <a:prstClr val="white"/>
-                </a:glow>
-              </a:effectLst>
-              <a:latin typeface="VNI-Aptima" pitchFamily="2" charset="0"/>
-              <a:ea typeface="Times New Roman" pitchFamily="18" charset="0"/>
-              <a:cs typeface="Times New Roman" pitchFamily="18" charset="0"/>
-            </a:endParaRPr>
+              <a:t>theá nhaân, nguyeän yeâu Chuùa maõi troïn ñôøi.</a:t>
+            </a:r>
           </a:p>
         </p:txBody>
       </p:sp>
@@ -2982,7 +2431,7 @@
           <a:p>
             <a:pPr algn="ctr"/>
             <a:r>
-              <a:rPr lang="en-US" sz="4000" b="1" smtClean="0">
+              <a:rPr lang="en-US" sz="4000" b="1" dirty="0">
                 <a:ln w="11430"/>
                 <a:solidFill>
                   <a:srgbClr val="FFFF00"/>
@@ -2997,27 +2446,10 @@
                     </a:srgbClr>
                   </a:outerShdw>
                 </a:effectLst>
-                <a:latin typeface="HP-Bank" panose="020B0603050302020204" pitchFamily="34" charset="0"/>
+                <a:latin typeface="VNI-Times" pitchFamily="2" charset="0"/>
               </a:rPr>
               <a:t>NGÖÔØI TOÂI YEÂU MEÁN</a:t>
             </a:r>
-            <a:endParaRPr lang="en-US" sz="4000" b="1" smtClean="0">
-              <a:ln w="11430"/>
-              <a:solidFill>
-                <a:srgbClr val="FFFF00"/>
-              </a:solidFill>
-              <a:effectLst>
-                <a:glow rad="127000">
-                  <a:prstClr val="black"/>
-                </a:glow>
-                <a:outerShdw blurRad="50800" dist="39000" dir="5460000" algn="tl">
-                  <a:srgbClr val="000000">
-                    <a:alpha val="38000"/>
-                  </a:srgbClr>
-                </a:outerShdw>
-              </a:effectLst>
-              <a:latin typeface="HP-Bank" panose="020B0603050302020204" pitchFamily="34" charset="0"/>
-            </a:endParaRPr>
           </a:p>
         </p:txBody>
       </p:sp>
@@ -3107,53 +2539,8 @@
                 <a:ea typeface="Times New Roman" pitchFamily="18" charset="0"/>
                 <a:cs typeface="Times New Roman" pitchFamily="18" charset="0"/>
               </a:rPr>
-              <a:t>Böôùc theo Jeâsus ñaém trong ôn laønh, nguyeän caàu doøng suoái maùt nôi thieân cung </a:t>
-            </a:r>
-            <a:r>
-              <a:rPr lang="en-US" sz="6600" b="1">
-                <a:solidFill>
-                  <a:prstClr val="black"/>
-                </a:solidFill>
-                <a:effectLst>
-                  <a:glow rad="127000">
-                    <a:prstClr val="white"/>
-                  </a:glow>
-                </a:effectLst>
-                <a:latin typeface="VNI-Aptima" pitchFamily="2" charset="0"/>
-                <a:ea typeface="Times New Roman" pitchFamily="18" charset="0"/>
-                <a:cs typeface="Times New Roman" pitchFamily="18" charset="0"/>
-              </a:rPr>
-              <a:t>chaûy </a:t>
-            </a:r>
-            <a:r>
-              <a:rPr lang="en-US" sz="6600" b="1" smtClean="0">
-                <a:solidFill>
-                  <a:prstClr val="black"/>
-                </a:solidFill>
-                <a:effectLst>
-                  <a:glow rad="127000">
-                    <a:prstClr val="white"/>
-                  </a:glow>
-                </a:effectLst>
-                <a:latin typeface="VNI-Aptima" pitchFamily="2" charset="0"/>
-                <a:ea typeface="Times New Roman" pitchFamily="18" charset="0"/>
-                <a:cs typeface="Times New Roman" pitchFamily="18" charset="0"/>
-              </a:rPr>
-              <a:t>tuoân.</a:t>
-            </a:r>
-            <a:endParaRPr lang="en-US" sz="6600" b="1">
-              <a:solidFill>
-                <a:prstClr val="black"/>
-              </a:solidFill>
-              <a:effectLst>
-                <a:glow rad="127000">
-                  <a:prstClr val="white"/>
-                </a:glow>
-              </a:effectLst>
-              <a:latin typeface="VNI-Aptima" pitchFamily="2" charset="0"/>
-              <a:ea typeface="Times New Roman" pitchFamily="18" charset="0"/>
-              <a:cs typeface="Times New Roman" pitchFamily="18" charset="0"/>
-            </a:endParaRPr>
+              <a:t>Böôùc theo Jeâsus ñaém trong ôn laønh, nguyeän caàu doøng suoái maùt nôi thieân cung chaûy tuoân.</a:t>
+            </a:r>
           </a:p>
         </p:txBody>
       </p:sp>
@@ -3181,7 +2568,7 @@
           <a:p>
             <a:pPr algn="ctr"/>
             <a:r>
-              <a:rPr lang="en-US" sz="4000" b="1" smtClean="0">
+              <a:rPr lang="en-US" sz="4000" b="1" dirty="0">
                 <a:ln w="11430"/>
                 <a:solidFill>
                   <a:srgbClr val="FFFF00"/>
@@ -3196,27 +2583,10 @@
                     </a:srgbClr>
                   </a:outerShdw>
                 </a:effectLst>
-                <a:latin typeface="HP-Bank" panose="020B0603050302020204" pitchFamily="34" charset="0"/>
+                <a:latin typeface="VNI-Times" pitchFamily="2" charset="0"/>
               </a:rPr>
               <a:t>NGÖÔØI TOÂI YEÂU MEÁN</a:t>
             </a:r>
-            <a:endParaRPr lang="en-US" sz="4000" b="1" smtClean="0">
-              <a:ln w="11430"/>
-              <a:solidFill>
-                <a:srgbClr val="FFFF00"/>
-              </a:solidFill>
-              <a:effectLst>
-                <a:glow rad="127000">
-                  <a:prstClr val="black"/>
-                </a:glow>
-                <a:outerShdw blurRad="50800" dist="39000" dir="5460000" algn="tl">
-                  <a:srgbClr val="000000">
-                    <a:alpha val="38000"/>
-                  </a:srgbClr>
-                </a:outerShdw>
-              </a:effectLst>
-              <a:latin typeface="HP-Bank" panose="020B0603050302020204" pitchFamily="34" charset="0"/>
-            </a:endParaRPr>
           </a:p>
         </p:txBody>
       </p:sp>
@@ -3293,7 +2663,7 @@
               </a:spcAft>
             </a:pPr>
             <a:r>
-              <a:rPr lang="en-US" sz="6600" b="1" smtClean="0">
+              <a:rPr lang="en-US" sz="6600" b="1">
                 <a:solidFill>
                   <a:prstClr val="black"/>
                 </a:solidFill>
@@ -3306,9 +2676,9 @@
                 <a:ea typeface="Times New Roman" pitchFamily="18" charset="0"/>
                 <a:cs typeface="Times New Roman" pitchFamily="18" charset="0"/>
               </a:rPr>
-              <a:t>Xoùa </a:t>
-            </a:r>
-            <a:r>
+              <a:t>Xoùa saïch moïi toäi, </a:t>
+            </a:r>
+            <a:br>
               <a:rPr lang="en-US" sz="6600" b="1">
                 <a:solidFill>
                   <a:prstClr val="black"/>
@@ -3322,8 +2692,7 @@
                 <a:ea typeface="Times New Roman" pitchFamily="18" charset="0"/>
                 <a:cs typeface="Times New Roman" pitchFamily="18" charset="0"/>
               </a:rPr>
-              <a:t>saïch moïi toäi</a:t>
-            </a:r>
+            </a:br>
             <a:r>
               <a:rPr lang="en-US" sz="6600" b="1">
                 <a:solidFill>
@@ -3338,10 +2707,10 @@
                 <a:ea typeface="Times New Roman" pitchFamily="18" charset="0"/>
                 <a:cs typeface="Times New Roman" pitchFamily="18" charset="0"/>
               </a:rPr>
-              <a:t>, </a:t>
-            </a:r>
-            <a:r>
-              <a:rPr lang="en-US" sz="6600" b="1" smtClean="0">
+              <a:t>taåy ueá taâm toâi, </a:t>
+            </a:r>
+            <a:br>
+              <a:rPr lang="en-US" sz="6600" b="1">
                 <a:solidFill>
                   <a:prstClr val="black"/>
                 </a:solidFill>
@@ -3354,10 +2723,9 @@
                 <a:ea typeface="Times New Roman" pitchFamily="18" charset="0"/>
                 <a:cs typeface="Times New Roman" pitchFamily="18" charset="0"/>
               </a:rPr>
-              <a:t/>
-            </a:r>
-            <a:br>
-              <a:rPr lang="en-US" sz="6600" b="1" smtClean="0">
+            </a:br>
+            <a:r>
+              <a:rPr lang="en-US" sz="6600" b="1">
                 <a:solidFill>
                   <a:prstClr val="black"/>
                 </a:solidFill>
@@ -3370,9 +2738,10 @@
                 <a:ea typeface="Times New Roman" pitchFamily="18" charset="0"/>
                 <a:cs typeface="Times New Roman" pitchFamily="18" charset="0"/>
               </a:rPr>
-            </a:br>
-            <a:r>
-              <a:rPr lang="en-US" sz="6600" b="1" smtClean="0">
+              <a:t>nguyeän yeâu Chuùa </a:t>
+            </a:r>
+            <a:br>
+              <a:rPr lang="en-US" sz="6600" b="1">
                 <a:solidFill>
                   <a:prstClr val="black"/>
                 </a:solidFill>
@@ -3385,8 +2754,7 @@
                 <a:ea typeface="Times New Roman" pitchFamily="18" charset="0"/>
                 <a:cs typeface="Times New Roman" pitchFamily="18" charset="0"/>
               </a:rPr>
-              <a:t>taåy </a:t>
-            </a:r>
+            </a:br>
             <a:r>
               <a:rPr lang="en-US" sz="6600" b="1">
                 <a:solidFill>
@@ -3401,115 +2769,8 @@
                 <a:ea typeface="Times New Roman" pitchFamily="18" charset="0"/>
                 <a:cs typeface="Times New Roman" pitchFamily="18" charset="0"/>
               </a:rPr>
-              <a:t>ueá </a:t>
-            </a:r>
-            <a:r>
-              <a:rPr lang="en-US" sz="6600" b="1">
-                <a:solidFill>
-                  <a:prstClr val="black"/>
-                </a:solidFill>
-                <a:effectLst>
-                  <a:glow rad="127000">
-                    <a:prstClr val="white"/>
-                  </a:glow>
-                </a:effectLst>
-                <a:latin typeface="VNI-Aptima" pitchFamily="2" charset="0"/>
-                <a:ea typeface="Times New Roman" pitchFamily="18" charset="0"/>
-                <a:cs typeface="Times New Roman" pitchFamily="18" charset="0"/>
-              </a:rPr>
-              <a:t>taâm </a:t>
-            </a:r>
-            <a:r>
-              <a:rPr lang="en-US" sz="6600" b="1" smtClean="0">
-                <a:solidFill>
-                  <a:prstClr val="black"/>
-                </a:solidFill>
-                <a:effectLst>
-                  <a:glow rad="127000">
-                    <a:prstClr val="white"/>
-                  </a:glow>
-                </a:effectLst>
-                <a:latin typeface="VNI-Aptima" pitchFamily="2" charset="0"/>
-                <a:ea typeface="Times New Roman" pitchFamily="18" charset="0"/>
-                <a:cs typeface="Times New Roman" pitchFamily="18" charset="0"/>
-              </a:rPr>
-              <a:t>toâi, </a:t>
-            </a:r>
-            <a:br>
-              <a:rPr lang="en-US" sz="6600" b="1" smtClean="0">
-                <a:solidFill>
-                  <a:prstClr val="black"/>
-                </a:solidFill>
-                <a:effectLst>
-                  <a:glow rad="127000">
-                    <a:prstClr val="white"/>
-                  </a:glow>
-                </a:effectLst>
-                <a:latin typeface="VNI-Aptima" pitchFamily="2" charset="0"/>
-                <a:ea typeface="Times New Roman" pitchFamily="18" charset="0"/>
-                <a:cs typeface="Times New Roman" pitchFamily="18" charset="0"/>
-              </a:rPr>
-            </a:br>
-            <a:r>
-              <a:rPr lang="en-US" sz="6600" b="1" smtClean="0">
-                <a:solidFill>
-                  <a:prstClr val="black"/>
-                </a:solidFill>
-                <a:effectLst>
-                  <a:glow rad="127000">
-                    <a:prstClr val="white"/>
-                  </a:glow>
-                </a:effectLst>
-                <a:latin typeface="VNI-Aptima" pitchFamily="2" charset="0"/>
-                <a:ea typeface="Times New Roman" pitchFamily="18" charset="0"/>
-                <a:cs typeface="Times New Roman" pitchFamily="18" charset="0"/>
-              </a:rPr>
-              <a:t>nguyeän yeâu Chuùa </a:t>
-            </a:r>
-            <a:br>
-              <a:rPr lang="en-US" sz="6600" b="1" smtClean="0">
-                <a:solidFill>
-                  <a:prstClr val="black"/>
-                </a:solidFill>
-                <a:effectLst>
-                  <a:glow rad="127000">
-                    <a:prstClr val="white"/>
-                  </a:glow>
-                </a:effectLst>
-                <a:latin typeface="VNI-Aptima" pitchFamily="2" charset="0"/>
-                <a:ea typeface="Times New Roman" pitchFamily="18" charset="0"/>
-                <a:cs typeface="Times New Roman" pitchFamily="18" charset="0"/>
-              </a:rPr>
-            </a:br>
-            <a:r>
-              <a:rPr lang="en-US" sz="6600" b="1" smtClean="0">
-                <a:solidFill>
-                  <a:prstClr val="black"/>
-                </a:solidFill>
-                <a:effectLst>
-                  <a:glow rad="127000">
-                    <a:prstClr val="white"/>
-                  </a:glow>
-                </a:effectLst>
-                <a:latin typeface="VNI-Aptima" pitchFamily="2" charset="0"/>
-                <a:ea typeface="Times New Roman" pitchFamily="18" charset="0"/>
-                <a:cs typeface="Times New Roman" pitchFamily="18" charset="0"/>
-              </a:rPr>
               <a:t>maõi troïn ñôøi. </a:t>
             </a:r>
-            <a:endParaRPr lang="en-US" sz="6600" b="1">
-              <a:solidFill>
-                <a:prstClr val="black"/>
-              </a:solidFill>
-              <a:effectLst>
-                <a:glow rad="127000">
-                  <a:prstClr val="white"/>
-                </a:glow>
-              </a:effectLst>
-              <a:latin typeface="VNI-Aptima" pitchFamily="2" charset="0"/>
-              <a:ea typeface="Times New Roman" pitchFamily="18" charset="0"/>
-              <a:cs typeface="Times New Roman" pitchFamily="18" charset="0"/>
-            </a:endParaRPr>
           </a:p>
         </p:txBody>
       </p:sp>
@@ -3537,7 +2798,7 @@
           <a:p>
             <a:pPr algn="ctr"/>
             <a:r>
-              <a:rPr lang="en-US" sz="4000" b="1" smtClean="0">
+              <a:rPr lang="en-US" sz="4000" b="1" dirty="0">
                 <a:ln w="11430"/>
                 <a:solidFill>
                   <a:srgbClr val="FFFF00"/>
@@ -3552,27 +2813,10 @@
                     </a:srgbClr>
                   </a:outerShdw>
                 </a:effectLst>
-                <a:latin typeface="HP-Bank" panose="020B0603050302020204" pitchFamily="34" charset="0"/>
+                <a:latin typeface="VNI-Times" pitchFamily="2" charset="0"/>
               </a:rPr>
               <a:t>NGÖÔØI TOÂI YEÂU MEÁN</a:t>
             </a:r>
-            <a:endParaRPr lang="en-US" sz="4000" b="1" smtClean="0">
-              <a:ln w="11430"/>
-              <a:solidFill>
-                <a:srgbClr val="FFFF00"/>
-              </a:solidFill>
-              <a:effectLst>
-                <a:glow rad="127000">
-                  <a:prstClr val="black"/>
-                </a:glow>
-                <a:outerShdw blurRad="50800" dist="39000" dir="5460000" algn="tl">
-                  <a:srgbClr val="000000">
-                    <a:alpha val="38000"/>
-                  </a:srgbClr>
-                </a:outerShdw>
-              </a:effectLst>
-              <a:latin typeface="HP-Bank" panose="020B0603050302020204" pitchFamily="34" charset="0"/>
-            </a:endParaRPr>
           </a:p>
         </p:txBody>
       </p:sp>
@@ -3662,53 +2906,8 @@
                 <a:ea typeface="Times New Roman" pitchFamily="18" charset="0"/>
                 <a:cs typeface="Times New Roman" pitchFamily="18" charset="0"/>
               </a:rPr>
-              <a:t>Böôùc theo Jeâsus ñaém trong ôn laønh, nguyeän caàu doøng suoái maùt nôi thieân cung </a:t>
-            </a:r>
-            <a:r>
-              <a:rPr lang="en-US" sz="6600" b="1">
-                <a:solidFill>
-                  <a:prstClr val="black"/>
-                </a:solidFill>
-                <a:effectLst>
-                  <a:glow rad="127000">
-                    <a:prstClr val="white"/>
-                  </a:glow>
-                </a:effectLst>
-                <a:latin typeface="VNI-Aptima" pitchFamily="2" charset="0"/>
-                <a:ea typeface="Times New Roman" pitchFamily="18" charset="0"/>
-                <a:cs typeface="Times New Roman" pitchFamily="18" charset="0"/>
-              </a:rPr>
-              <a:t>chaûy </a:t>
-            </a:r>
-            <a:r>
-              <a:rPr lang="en-US" sz="6600" b="1" smtClean="0">
-                <a:solidFill>
-                  <a:prstClr val="black"/>
-                </a:solidFill>
-                <a:effectLst>
-                  <a:glow rad="127000">
-                    <a:prstClr val="white"/>
-                  </a:glow>
-                </a:effectLst>
-                <a:latin typeface="VNI-Aptima" pitchFamily="2" charset="0"/>
-                <a:ea typeface="Times New Roman" pitchFamily="18" charset="0"/>
-                <a:cs typeface="Times New Roman" pitchFamily="18" charset="0"/>
-              </a:rPr>
-              <a:t>tuoân.</a:t>
-            </a:r>
-            <a:endParaRPr lang="en-US" sz="6600" b="1">
-              <a:solidFill>
-                <a:prstClr val="black"/>
-              </a:solidFill>
-              <a:effectLst>
-                <a:glow rad="127000">
-                  <a:prstClr val="white"/>
-                </a:glow>
-              </a:effectLst>
-              <a:latin typeface="VNI-Aptima" pitchFamily="2" charset="0"/>
-              <a:ea typeface="Times New Roman" pitchFamily="18" charset="0"/>
-              <a:cs typeface="Times New Roman" pitchFamily="18" charset="0"/>
-            </a:endParaRPr>
+              <a:t>Böôùc theo Jeâsus ñaém trong ôn laønh, nguyeän caàu doøng suoái maùt nôi thieân cung chaûy tuoân.</a:t>
+            </a:r>
           </a:p>
         </p:txBody>
       </p:sp>
@@ -3736,7 +2935,7 @@
           <a:p>
             <a:pPr algn="ctr"/>
             <a:r>
-              <a:rPr lang="en-US" sz="4000" b="1" smtClean="0">
+              <a:rPr lang="en-US" sz="4000" b="1" dirty="0">
                 <a:ln w="11430"/>
                 <a:solidFill>
                   <a:srgbClr val="FFFF00"/>
@@ -3751,27 +2950,10 @@
                     </a:srgbClr>
                   </a:outerShdw>
                 </a:effectLst>
-                <a:latin typeface="HP-Bank" panose="020B0603050302020204" pitchFamily="34" charset="0"/>
+                <a:latin typeface="VNI-Times" pitchFamily="2" charset="0"/>
               </a:rPr>
               <a:t>NGÖÔØI TOÂI YEÂU MEÁN</a:t>
             </a:r>
-            <a:endParaRPr lang="en-US" sz="4000" b="1" smtClean="0">
-              <a:ln w="11430"/>
-              <a:solidFill>
-                <a:srgbClr val="FFFF00"/>
-              </a:solidFill>
-              <a:effectLst>
-                <a:glow rad="127000">
-                  <a:prstClr val="black"/>
-                </a:glow>
-                <a:outerShdw blurRad="50800" dist="39000" dir="5460000" algn="tl">
-                  <a:srgbClr val="000000">
-                    <a:alpha val="38000"/>
-                  </a:srgbClr>
-                </a:outerShdw>
-              </a:effectLst>
-              <a:latin typeface="HP-Bank" panose="020B0603050302020204" pitchFamily="34" charset="0"/>
-            </a:endParaRPr>
           </a:p>
         </p:txBody>
       </p:sp>
@@ -3848,7 +3030,7 @@
               </a:spcAft>
             </a:pPr>
             <a:r>
-              <a:rPr lang="en-US" sz="6600" b="1" smtClean="0">
+              <a:rPr lang="en-US" sz="6600" b="1">
                 <a:solidFill>
                   <a:prstClr val="black"/>
                 </a:solidFill>
@@ -3861,9 +3043,9 @@
                 <a:ea typeface="Times New Roman" pitchFamily="18" charset="0"/>
                 <a:cs typeface="Times New Roman" pitchFamily="18" charset="0"/>
               </a:rPr>
-              <a:t>Xoùa </a:t>
-            </a:r>
-            <a:r>
+              <a:t>Xoùa saïch moïi toäi, </a:t>
+            </a:r>
+            <a:br>
               <a:rPr lang="en-US" sz="6600" b="1">
                 <a:solidFill>
                   <a:prstClr val="black"/>
@@ -3877,8 +3059,7 @@
                 <a:ea typeface="Times New Roman" pitchFamily="18" charset="0"/>
                 <a:cs typeface="Times New Roman" pitchFamily="18" charset="0"/>
               </a:rPr>
-              <a:t>saïch moïi toäi</a:t>
-            </a:r>
+            </a:br>
             <a:r>
               <a:rPr lang="en-US" sz="6600" b="1">
                 <a:solidFill>
@@ -3893,10 +3074,10 @@
                 <a:ea typeface="Times New Roman" pitchFamily="18" charset="0"/>
                 <a:cs typeface="Times New Roman" pitchFamily="18" charset="0"/>
               </a:rPr>
-              <a:t>, </a:t>
-            </a:r>
-            <a:r>
-              <a:rPr lang="en-US" sz="6600" b="1" smtClean="0">
+              <a:t>taåy ueá taâm toâi, </a:t>
+            </a:r>
+            <a:br>
+              <a:rPr lang="en-US" sz="6600" b="1">
                 <a:solidFill>
                   <a:prstClr val="black"/>
                 </a:solidFill>
@@ -3909,10 +3090,9 @@
                 <a:ea typeface="Times New Roman" pitchFamily="18" charset="0"/>
                 <a:cs typeface="Times New Roman" pitchFamily="18" charset="0"/>
               </a:rPr>
-              <a:t/>
-            </a:r>
-            <a:br>
-              <a:rPr lang="en-US" sz="6600" b="1" smtClean="0">
+            </a:br>
+            <a:r>
+              <a:rPr lang="en-US" sz="6600" b="1">
                 <a:solidFill>
                   <a:prstClr val="black"/>
                 </a:solidFill>
@@ -3925,9 +3105,10 @@
                 <a:ea typeface="Times New Roman" pitchFamily="18" charset="0"/>
                 <a:cs typeface="Times New Roman" pitchFamily="18" charset="0"/>
               </a:rPr>
-            </a:br>
-            <a:r>
-              <a:rPr lang="en-US" sz="6600" b="1" smtClean="0">
+              <a:t>nguyeän yeâu Chuùa </a:t>
+            </a:r>
+            <a:br>
+              <a:rPr lang="en-US" sz="6600" b="1">
                 <a:solidFill>
                   <a:prstClr val="black"/>
                 </a:solidFill>
@@ -3940,8 +3121,7 @@
                 <a:ea typeface="Times New Roman" pitchFamily="18" charset="0"/>
                 <a:cs typeface="Times New Roman" pitchFamily="18" charset="0"/>
               </a:rPr>
-              <a:t>taåy </a:t>
-            </a:r>
+            </a:br>
             <a:r>
               <a:rPr lang="en-US" sz="6600" b="1">
                 <a:solidFill>
@@ -3956,115 +3136,8 @@
                 <a:ea typeface="Times New Roman" pitchFamily="18" charset="0"/>
                 <a:cs typeface="Times New Roman" pitchFamily="18" charset="0"/>
               </a:rPr>
-              <a:t>ueá </a:t>
-            </a:r>
-            <a:r>
-              <a:rPr lang="en-US" sz="6600" b="1">
-                <a:solidFill>
-                  <a:prstClr val="black"/>
-                </a:solidFill>
-                <a:effectLst>
-                  <a:glow rad="127000">
-                    <a:prstClr val="white"/>
-                  </a:glow>
-                </a:effectLst>
-                <a:latin typeface="VNI-Aptima" pitchFamily="2" charset="0"/>
-                <a:ea typeface="Times New Roman" pitchFamily="18" charset="0"/>
-                <a:cs typeface="Times New Roman" pitchFamily="18" charset="0"/>
-              </a:rPr>
-              <a:t>taâm </a:t>
-            </a:r>
-            <a:r>
-              <a:rPr lang="en-US" sz="6600" b="1" smtClean="0">
-                <a:solidFill>
-                  <a:prstClr val="black"/>
-                </a:solidFill>
-                <a:effectLst>
-                  <a:glow rad="127000">
-                    <a:prstClr val="white"/>
-                  </a:glow>
-                </a:effectLst>
-                <a:latin typeface="VNI-Aptima" pitchFamily="2" charset="0"/>
-                <a:ea typeface="Times New Roman" pitchFamily="18" charset="0"/>
-                <a:cs typeface="Times New Roman" pitchFamily="18" charset="0"/>
-              </a:rPr>
-              <a:t>toâi, </a:t>
-            </a:r>
-            <a:br>
-              <a:rPr lang="en-US" sz="6600" b="1" smtClean="0">
-                <a:solidFill>
-                  <a:prstClr val="black"/>
-                </a:solidFill>
-                <a:effectLst>
-                  <a:glow rad="127000">
-                    <a:prstClr val="white"/>
-                  </a:glow>
-                </a:effectLst>
-                <a:latin typeface="VNI-Aptima" pitchFamily="2" charset="0"/>
-                <a:ea typeface="Times New Roman" pitchFamily="18" charset="0"/>
-                <a:cs typeface="Times New Roman" pitchFamily="18" charset="0"/>
-              </a:rPr>
-            </a:br>
-            <a:r>
-              <a:rPr lang="en-US" sz="6600" b="1" smtClean="0">
-                <a:solidFill>
-                  <a:prstClr val="black"/>
-                </a:solidFill>
-                <a:effectLst>
-                  <a:glow rad="127000">
-                    <a:prstClr val="white"/>
-                  </a:glow>
-                </a:effectLst>
-                <a:latin typeface="VNI-Aptima" pitchFamily="2" charset="0"/>
-                <a:ea typeface="Times New Roman" pitchFamily="18" charset="0"/>
-                <a:cs typeface="Times New Roman" pitchFamily="18" charset="0"/>
-              </a:rPr>
-              <a:t>nguyeän yeâu Chuùa </a:t>
-            </a:r>
-            <a:br>
-              <a:rPr lang="en-US" sz="6600" b="1" smtClean="0">
-                <a:solidFill>
-                  <a:prstClr val="black"/>
-                </a:solidFill>
-                <a:effectLst>
-                  <a:glow rad="127000">
-                    <a:prstClr val="white"/>
-                  </a:glow>
-                </a:effectLst>
-                <a:latin typeface="VNI-Aptima" pitchFamily="2" charset="0"/>
-                <a:ea typeface="Times New Roman" pitchFamily="18" charset="0"/>
-                <a:cs typeface="Times New Roman" pitchFamily="18" charset="0"/>
-              </a:rPr>
-            </a:br>
-            <a:r>
-              <a:rPr lang="en-US" sz="6600" b="1" smtClean="0">
-                <a:solidFill>
-                  <a:prstClr val="black"/>
-                </a:solidFill>
-                <a:effectLst>
-                  <a:glow rad="127000">
-                    <a:prstClr val="white"/>
-                  </a:glow>
-                </a:effectLst>
-                <a:latin typeface="VNI-Aptima" pitchFamily="2" charset="0"/>
-                <a:ea typeface="Times New Roman" pitchFamily="18" charset="0"/>
-                <a:cs typeface="Times New Roman" pitchFamily="18" charset="0"/>
-              </a:rPr>
               <a:t>maõi troïn ñôøi. </a:t>
             </a:r>
-            <a:endParaRPr lang="en-US" sz="6600" b="1">
-              <a:solidFill>
-                <a:prstClr val="black"/>
-              </a:solidFill>
-              <a:effectLst>
-                <a:glow rad="127000">
-                  <a:prstClr val="white"/>
-                </a:glow>
-              </a:effectLst>
-              <a:latin typeface="VNI-Aptima" pitchFamily="2" charset="0"/>
-              <a:ea typeface="Times New Roman" pitchFamily="18" charset="0"/>
-              <a:cs typeface="Times New Roman" pitchFamily="18" charset="0"/>
-            </a:endParaRPr>
           </a:p>
         </p:txBody>
       </p:sp>
@@ -4092,7 +3165,7 @@
           <a:p>
             <a:pPr algn="ctr"/>
             <a:r>
-              <a:rPr lang="en-US" sz="4000" b="1" smtClean="0">
+              <a:rPr lang="en-US" sz="4000" b="1" dirty="0">
                 <a:ln w="11430"/>
                 <a:solidFill>
                   <a:srgbClr val="FFFF00"/>
@@ -4107,27 +3180,10 @@
                     </a:srgbClr>
                   </a:outerShdw>
                 </a:effectLst>
-                <a:latin typeface="HP-Bank" panose="020B0603050302020204" pitchFamily="34" charset="0"/>
+                <a:latin typeface="VNI-Times" pitchFamily="2" charset="0"/>
               </a:rPr>
               <a:t>NGÖÔØI TOÂI YEÂU MEÁN</a:t>
             </a:r>
-            <a:endParaRPr lang="en-US" sz="4000" b="1" smtClean="0">
-              <a:ln w="11430"/>
-              <a:solidFill>
-                <a:srgbClr val="FFFF00"/>
-              </a:solidFill>
-              <a:effectLst>
-                <a:glow rad="127000">
-                  <a:prstClr val="black"/>
-                </a:glow>
-                <a:outerShdw blurRad="50800" dist="39000" dir="5460000" algn="tl">
-                  <a:srgbClr val="000000">
-                    <a:alpha val="38000"/>
-                  </a:srgbClr>
-                </a:outerShdw>
-              </a:effectLst>
-              <a:latin typeface="HP-Bank" panose="020B0603050302020204" pitchFamily="34" charset="0"/>
-            </a:endParaRPr>
           </a:p>
         </p:txBody>
       </p:sp>
